--- a/prototipus.pptx
+++ b/prototipus.pptx
@@ -3058,15 +3058,7 @@
                   <a:schemeClr val="tx1"/>
                 </a:solidFill>
               </a:rPr>
-              <a:t>: </a:t>
-            </a:r>
-            <a:r>
-              <a:rPr lang="hu-HU" sz="4000" smtClean="0">
-                <a:solidFill>
-                  <a:schemeClr val="tx1"/>
-                </a:solidFill>
-              </a:rPr>
-              <a:t>0349</a:t>
+              <a:t>: 0349</a:t>
             </a:r>
             <a:r>
               <a:rPr lang="hu-HU" sz="4000" dirty="0" smtClean="0">
@@ -3106,8 +3098,12 @@
               <a:rPr lang="hu-HU" sz="4000" dirty="0" smtClean="0"/>
             </a:br>
             <a:r>
-              <a:rPr lang="hu-HU" sz="4000" dirty="0" smtClean="0"/>
-              <a:t>Szög bekérése:</a:t>
+              <a:rPr lang="hu-HU" sz="4000" smtClean="0"/>
+              <a:t>Szög </a:t>
+            </a:r>
+            <a:r>
+              <a:rPr lang="hu-HU" sz="4000" smtClean="0"/>
+              <a:t>bekérése :</a:t>
             </a:r>
             <a:r>
               <a:rPr lang="hu-HU" sz="4000" dirty="0" smtClean="0">
